--- a/January 31 2019.pptx
+++ b/January 31 2019.pptx
@@ -7,6 +7,7 @@
   <p:sldIdLst>
     <p:sldId id="256" r:id="rId2"/>
     <p:sldId id="257" r:id="rId3"/>
+    <p:sldId id="258" r:id="rId4"/>
   </p:sldIdLst>
   <p:sldSz cx="12192000" cy="6858000"/>
   <p:notesSz cx="6858000" cy="9144000"/>
@@ -130,7 +131,7 @@
           <p:cNvPr id="2" name="Title 1">
             <a:extLst>
               <a:ext uri="{FF2B5EF4-FFF2-40B4-BE49-F238E27FC236}">
-                <a16:creationId xmlns:a16="http://schemas.microsoft.com/office/drawing/2014/main" id="{E50D95AF-97A7-499E-A516-0490974DEC94}"/>
+                <a16:creationId xmlns:a16="http://schemas.microsoft.com/office/drawing/2014/main" xmlns="" id="{E50D95AF-97A7-499E-A516-0490974DEC94}"/>
               </a:ext>
             </a:extLst>
           </p:cNvPr>
@@ -167,7 +168,7 @@
           <p:cNvPr id="3" name="Subtitle 2">
             <a:extLst>
               <a:ext uri="{FF2B5EF4-FFF2-40B4-BE49-F238E27FC236}">
-                <a16:creationId xmlns:a16="http://schemas.microsoft.com/office/drawing/2014/main" id="{99CA7A50-BDD4-4DEC-AF24-2D06EF9634DB}"/>
+                <a16:creationId xmlns:a16="http://schemas.microsoft.com/office/drawing/2014/main" xmlns="" id="{99CA7A50-BDD4-4DEC-AF24-2D06EF9634DB}"/>
               </a:ext>
             </a:extLst>
           </p:cNvPr>
@@ -237,7 +238,7 @@
           <p:cNvPr id="4" name="Date Placeholder 3">
             <a:extLst>
               <a:ext uri="{FF2B5EF4-FFF2-40B4-BE49-F238E27FC236}">
-                <a16:creationId xmlns:a16="http://schemas.microsoft.com/office/drawing/2014/main" id="{BF90B57D-6A01-425A-B669-A64BDDF9520A}"/>
+                <a16:creationId xmlns:a16="http://schemas.microsoft.com/office/drawing/2014/main" xmlns="" id="{BF90B57D-6A01-425A-B669-A64BDDF9520A}"/>
               </a:ext>
             </a:extLst>
           </p:cNvPr>
@@ -255,7 +256,7 @@
           <a:p>
             <a:fld id="{4109A3AE-CEB5-4D63-8C4E-0A0F41805711}" type="datetimeFigureOut">
               <a:rPr lang="en-US" smtClean="0"/>
-              <a:t>1/22/2019</a:t>
+              <a:t>1/22/19</a:t>
             </a:fld>
             <a:endParaRPr lang="en-US"/>
           </a:p>
@@ -266,7 +267,7 @@
           <p:cNvPr id="5" name="Footer Placeholder 4">
             <a:extLst>
               <a:ext uri="{FF2B5EF4-FFF2-40B4-BE49-F238E27FC236}">
-                <a16:creationId xmlns:a16="http://schemas.microsoft.com/office/drawing/2014/main" id="{04F34A89-98DC-4476-A1B3-50C9DF9B1C8D}"/>
+                <a16:creationId xmlns:a16="http://schemas.microsoft.com/office/drawing/2014/main" xmlns="" id="{04F34A89-98DC-4476-A1B3-50C9DF9B1C8D}"/>
               </a:ext>
             </a:extLst>
           </p:cNvPr>
@@ -291,7 +292,7 @@
           <p:cNvPr id="6" name="Slide Number Placeholder 5">
             <a:extLst>
               <a:ext uri="{FF2B5EF4-FFF2-40B4-BE49-F238E27FC236}">
-                <a16:creationId xmlns:a16="http://schemas.microsoft.com/office/drawing/2014/main" id="{3C8DAE2B-FBBF-49F8-AED0-707CF5B4F7F5}"/>
+                <a16:creationId xmlns:a16="http://schemas.microsoft.com/office/drawing/2014/main" xmlns="" id="{3C8DAE2B-FBBF-49F8-AED0-707CF5B4F7F5}"/>
               </a:ext>
             </a:extLst>
           </p:cNvPr>
@@ -350,7 +351,7 @@
           <p:cNvPr id="2" name="Title 1">
             <a:extLst>
               <a:ext uri="{FF2B5EF4-FFF2-40B4-BE49-F238E27FC236}">
-                <a16:creationId xmlns:a16="http://schemas.microsoft.com/office/drawing/2014/main" id="{A94A6E80-0230-4D48-A5F9-33175B861FE9}"/>
+                <a16:creationId xmlns:a16="http://schemas.microsoft.com/office/drawing/2014/main" xmlns="" id="{A94A6E80-0230-4D48-A5F9-33175B861FE9}"/>
               </a:ext>
             </a:extLst>
           </p:cNvPr>
@@ -378,7 +379,7 @@
           <p:cNvPr id="3" name="Vertical Text Placeholder 2">
             <a:extLst>
               <a:ext uri="{FF2B5EF4-FFF2-40B4-BE49-F238E27FC236}">
-                <a16:creationId xmlns:a16="http://schemas.microsoft.com/office/drawing/2014/main" id="{73EC05D4-032C-43C7-AC9F-A2AE09D9BD3E}"/>
+                <a16:creationId xmlns:a16="http://schemas.microsoft.com/office/drawing/2014/main" xmlns="" id="{73EC05D4-032C-43C7-AC9F-A2AE09D9BD3E}"/>
               </a:ext>
             </a:extLst>
           </p:cNvPr>
@@ -435,7 +436,7 @@
           <p:cNvPr id="4" name="Date Placeholder 3">
             <a:extLst>
               <a:ext uri="{FF2B5EF4-FFF2-40B4-BE49-F238E27FC236}">
-                <a16:creationId xmlns:a16="http://schemas.microsoft.com/office/drawing/2014/main" id="{48FE22D8-3C90-48A5-8C22-ABF006C346BF}"/>
+                <a16:creationId xmlns:a16="http://schemas.microsoft.com/office/drawing/2014/main" xmlns="" id="{48FE22D8-3C90-48A5-8C22-ABF006C346BF}"/>
               </a:ext>
             </a:extLst>
           </p:cNvPr>
@@ -453,7 +454,7 @@
           <a:p>
             <a:fld id="{4109A3AE-CEB5-4D63-8C4E-0A0F41805711}" type="datetimeFigureOut">
               <a:rPr lang="en-US" smtClean="0"/>
-              <a:t>1/22/2019</a:t>
+              <a:t>1/22/19</a:t>
             </a:fld>
             <a:endParaRPr lang="en-US"/>
           </a:p>
@@ -464,7 +465,7 @@
           <p:cNvPr id="5" name="Footer Placeholder 4">
             <a:extLst>
               <a:ext uri="{FF2B5EF4-FFF2-40B4-BE49-F238E27FC236}">
-                <a16:creationId xmlns:a16="http://schemas.microsoft.com/office/drawing/2014/main" id="{56031874-2C7E-4276-8156-8042FC0F475E}"/>
+                <a16:creationId xmlns:a16="http://schemas.microsoft.com/office/drawing/2014/main" xmlns="" id="{56031874-2C7E-4276-8156-8042FC0F475E}"/>
               </a:ext>
             </a:extLst>
           </p:cNvPr>
@@ -489,7 +490,7 @@
           <p:cNvPr id="6" name="Slide Number Placeholder 5">
             <a:extLst>
               <a:ext uri="{FF2B5EF4-FFF2-40B4-BE49-F238E27FC236}">
-                <a16:creationId xmlns:a16="http://schemas.microsoft.com/office/drawing/2014/main" id="{AA6F1EBC-52C6-4C74-8594-3A37AFAEF254}"/>
+                <a16:creationId xmlns:a16="http://schemas.microsoft.com/office/drawing/2014/main" xmlns="" id="{AA6F1EBC-52C6-4C74-8594-3A37AFAEF254}"/>
               </a:ext>
             </a:extLst>
           </p:cNvPr>
@@ -548,7 +549,7 @@
           <p:cNvPr id="2" name="Vertical Title 1">
             <a:extLst>
               <a:ext uri="{FF2B5EF4-FFF2-40B4-BE49-F238E27FC236}">
-                <a16:creationId xmlns:a16="http://schemas.microsoft.com/office/drawing/2014/main" id="{C352BFF9-E495-4ADA-B60C-E121BB4991D2}"/>
+                <a16:creationId xmlns:a16="http://schemas.microsoft.com/office/drawing/2014/main" xmlns="" id="{C352BFF9-E495-4ADA-B60C-E121BB4991D2}"/>
               </a:ext>
             </a:extLst>
           </p:cNvPr>
@@ -581,7 +582,7 @@
           <p:cNvPr id="3" name="Vertical Text Placeholder 2">
             <a:extLst>
               <a:ext uri="{FF2B5EF4-FFF2-40B4-BE49-F238E27FC236}">
-                <a16:creationId xmlns:a16="http://schemas.microsoft.com/office/drawing/2014/main" id="{70F3CE26-A656-4E12-9598-9806FE7F9090}"/>
+                <a16:creationId xmlns:a16="http://schemas.microsoft.com/office/drawing/2014/main" xmlns="" id="{70F3CE26-A656-4E12-9598-9806FE7F9090}"/>
               </a:ext>
             </a:extLst>
           </p:cNvPr>
@@ -643,7 +644,7 @@
           <p:cNvPr id="4" name="Date Placeholder 3">
             <a:extLst>
               <a:ext uri="{FF2B5EF4-FFF2-40B4-BE49-F238E27FC236}">
-                <a16:creationId xmlns:a16="http://schemas.microsoft.com/office/drawing/2014/main" id="{CF908407-CC74-474A-9CE6-7503595127BC}"/>
+                <a16:creationId xmlns:a16="http://schemas.microsoft.com/office/drawing/2014/main" xmlns="" id="{CF908407-CC74-474A-9CE6-7503595127BC}"/>
               </a:ext>
             </a:extLst>
           </p:cNvPr>
@@ -661,7 +662,7 @@
           <a:p>
             <a:fld id="{4109A3AE-CEB5-4D63-8C4E-0A0F41805711}" type="datetimeFigureOut">
               <a:rPr lang="en-US" smtClean="0"/>
-              <a:t>1/22/2019</a:t>
+              <a:t>1/22/19</a:t>
             </a:fld>
             <a:endParaRPr lang="en-US"/>
           </a:p>
@@ -672,7 +673,7 @@
           <p:cNvPr id="5" name="Footer Placeholder 4">
             <a:extLst>
               <a:ext uri="{FF2B5EF4-FFF2-40B4-BE49-F238E27FC236}">
-                <a16:creationId xmlns:a16="http://schemas.microsoft.com/office/drawing/2014/main" id="{CCA84AD7-4AE6-4D78-B91A-B74B081FD140}"/>
+                <a16:creationId xmlns:a16="http://schemas.microsoft.com/office/drawing/2014/main" xmlns="" id="{CCA84AD7-4AE6-4D78-B91A-B74B081FD140}"/>
               </a:ext>
             </a:extLst>
           </p:cNvPr>
@@ -697,7 +698,7 @@
           <p:cNvPr id="6" name="Slide Number Placeholder 5">
             <a:extLst>
               <a:ext uri="{FF2B5EF4-FFF2-40B4-BE49-F238E27FC236}">
-                <a16:creationId xmlns:a16="http://schemas.microsoft.com/office/drawing/2014/main" id="{0544573C-80A4-4D2C-B5E4-F3DB5D489804}"/>
+                <a16:creationId xmlns:a16="http://schemas.microsoft.com/office/drawing/2014/main" xmlns="" id="{0544573C-80A4-4D2C-B5E4-F3DB5D489804}"/>
               </a:ext>
             </a:extLst>
           </p:cNvPr>
@@ -756,7 +757,7 @@
           <p:cNvPr id="2" name="Title 1">
             <a:extLst>
               <a:ext uri="{FF2B5EF4-FFF2-40B4-BE49-F238E27FC236}">
-                <a16:creationId xmlns:a16="http://schemas.microsoft.com/office/drawing/2014/main" id="{248F1964-129B-4BBF-B495-30653B48D21C}"/>
+                <a16:creationId xmlns:a16="http://schemas.microsoft.com/office/drawing/2014/main" xmlns="" id="{248F1964-129B-4BBF-B495-30653B48D21C}"/>
               </a:ext>
             </a:extLst>
           </p:cNvPr>
@@ -784,7 +785,7 @@
           <p:cNvPr id="3" name="Content Placeholder 2">
             <a:extLst>
               <a:ext uri="{FF2B5EF4-FFF2-40B4-BE49-F238E27FC236}">
-                <a16:creationId xmlns:a16="http://schemas.microsoft.com/office/drawing/2014/main" id="{824D9178-F6C3-473F-9353-88B69CA3F5EA}"/>
+                <a16:creationId xmlns:a16="http://schemas.microsoft.com/office/drawing/2014/main" xmlns="" id="{824D9178-F6C3-473F-9353-88B69CA3F5EA}"/>
               </a:ext>
             </a:extLst>
           </p:cNvPr>
@@ -841,7 +842,7 @@
           <p:cNvPr id="4" name="Date Placeholder 3">
             <a:extLst>
               <a:ext uri="{FF2B5EF4-FFF2-40B4-BE49-F238E27FC236}">
-                <a16:creationId xmlns:a16="http://schemas.microsoft.com/office/drawing/2014/main" id="{2C51D15A-8EA0-4F1C-9B7B-844343E1B74E}"/>
+                <a16:creationId xmlns:a16="http://schemas.microsoft.com/office/drawing/2014/main" xmlns="" id="{2C51D15A-8EA0-4F1C-9B7B-844343E1B74E}"/>
               </a:ext>
             </a:extLst>
           </p:cNvPr>
@@ -859,7 +860,7 @@
           <a:p>
             <a:fld id="{4109A3AE-CEB5-4D63-8C4E-0A0F41805711}" type="datetimeFigureOut">
               <a:rPr lang="en-US" smtClean="0"/>
-              <a:t>1/22/2019</a:t>
+              <a:t>1/22/19</a:t>
             </a:fld>
             <a:endParaRPr lang="en-US"/>
           </a:p>
@@ -870,7 +871,7 @@
           <p:cNvPr id="5" name="Footer Placeholder 4">
             <a:extLst>
               <a:ext uri="{FF2B5EF4-FFF2-40B4-BE49-F238E27FC236}">
-                <a16:creationId xmlns:a16="http://schemas.microsoft.com/office/drawing/2014/main" id="{9624C655-C281-4753-B248-83B71904E4CC}"/>
+                <a16:creationId xmlns:a16="http://schemas.microsoft.com/office/drawing/2014/main" xmlns="" id="{9624C655-C281-4753-B248-83B71904E4CC}"/>
               </a:ext>
             </a:extLst>
           </p:cNvPr>
@@ -895,7 +896,7 @@
           <p:cNvPr id="6" name="Slide Number Placeholder 5">
             <a:extLst>
               <a:ext uri="{FF2B5EF4-FFF2-40B4-BE49-F238E27FC236}">
-                <a16:creationId xmlns:a16="http://schemas.microsoft.com/office/drawing/2014/main" id="{2A066998-C518-40F2-9381-7D5418A189C1}"/>
+                <a16:creationId xmlns:a16="http://schemas.microsoft.com/office/drawing/2014/main" xmlns="" id="{2A066998-C518-40F2-9381-7D5418A189C1}"/>
               </a:ext>
             </a:extLst>
           </p:cNvPr>
@@ -954,7 +955,7 @@
           <p:cNvPr id="2" name="Title 1">
             <a:extLst>
               <a:ext uri="{FF2B5EF4-FFF2-40B4-BE49-F238E27FC236}">
-                <a16:creationId xmlns:a16="http://schemas.microsoft.com/office/drawing/2014/main" id="{75183681-8E5E-474B-8449-9F3E2662823D}"/>
+                <a16:creationId xmlns:a16="http://schemas.microsoft.com/office/drawing/2014/main" xmlns="" id="{75183681-8E5E-474B-8449-9F3E2662823D}"/>
               </a:ext>
             </a:extLst>
           </p:cNvPr>
@@ -991,7 +992,7 @@
           <p:cNvPr id="3" name="Text Placeholder 2">
             <a:extLst>
               <a:ext uri="{FF2B5EF4-FFF2-40B4-BE49-F238E27FC236}">
-                <a16:creationId xmlns:a16="http://schemas.microsoft.com/office/drawing/2014/main" id="{7063463B-1DD6-4F57-873B-C329AB32AC05}"/>
+                <a16:creationId xmlns:a16="http://schemas.microsoft.com/office/drawing/2014/main" xmlns="" id="{7063463B-1DD6-4F57-873B-C329AB32AC05}"/>
               </a:ext>
             </a:extLst>
           </p:cNvPr>
@@ -1116,7 +1117,7 @@
           <p:cNvPr id="4" name="Date Placeholder 3">
             <a:extLst>
               <a:ext uri="{FF2B5EF4-FFF2-40B4-BE49-F238E27FC236}">
-                <a16:creationId xmlns:a16="http://schemas.microsoft.com/office/drawing/2014/main" id="{7C326802-EB5E-4421-82C9-20594D665913}"/>
+                <a16:creationId xmlns:a16="http://schemas.microsoft.com/office/drawing/2014/main" xmlns="" id="{7C326802-EB5E-4421-82C9-20594D665913}"/>
               </a:ext>
             </a:extLst>
           </p:cNvPr>
@@ -1134,7 +1135,7 @@
           <a:p>
             <a:fld id="{4109A3AE-CEB5-4D63-8C4E-0A0F41805711}" type="datetimeFigureOut">
               <a:rPr lang="en-US" smtClean="0"/>
-              <a:t>1/22/2019</a:t>
+              <a:t>1/22/19</a:t>
             </a:fld>
             <a:endParaRPr lang="en-US"/>
           </a:p>
@@ -1145,7 +1146,7 @@
           <p:cNvPr id="5" name="Footer Placeholder 4">
             <a:extLst>
               <a:ext uri="{FF2B5EF4-FFF2-40B4-BE49-F238E27FC236}">
-                <a16:creationId xmlns:a16="http://schemas.microsoft.com/office/drawing/2014/main" id="{439F4EA7-DE69-4F26-8202-48DE86A69AAA}"/>
+                <a16:creationId xmlns:a16="http://schemas.microsoft.com/office/drawing/2014/main" xmlns="" id="{439F4EA7-DE69-4F26-8202-48DE86A69AAA}"/>
               </a:ext>
             </a:extLst>
           </p:cNvPr>
@@ -1170,7 +1171,7 @@
           <p:cNvPr id="6" name="Slide Number Placeholder 5">
             <a:extLst>
               <a:ext uri="{FF2B5EF4-FFF2-40B4-BE49-F238E27FC236}">
-                <a16:creationId xmlns:a16="http://schemas.microsoft.com/office/drawing/2014/main" id="{53C0B134-BBA9-4F58-8847-384050FB9E83}"/>
+                <a16:creationId xmlns:a16="http://schemas.microsoft.com/office/drawing/2014/main" xmlns="" id="{53C0B134-BBA9-4F58-8847-384050FB9E83}"/>
               </a:ext>
             </a:extLst>
           </p:cNvPr>
@@ -1229,7 +1230,7 @@
           <p:cNvPr id="2" name="Title 1">
             <a:extLst>
               <a:ext uri="{FF2B5EF4-FFF2-40B4-BE49-F238E27FC236}">
-                <a16:creationId xmlns:a16="http://schemas.microsoft.com/office/drawing/2014/main" id="{597045F7-FF79-4A29-B9C9-A01853D39F12}"/>
+                <a16:creationId xmlns:a16="http://schemas.microsoft.com/office/drawing/2014/main" xmlns="" id="{597045F7-FF79-4A29-B9C9-A01853D39F12}"/>
               </a:ext>
             </a:extLst>
           </p:cNvPr>
@@ -1257,7 +1258,7 @@
           <p:cNvPr id="3" name="Content Placeholder 2">
             <a:extLst>
               <a:ext uri="{FF2B5EF4-FFF2-40B4-BE49-F238E27FC236}">
-                <a16:creationId xmlns:a16="http://schemas.microsoft.com/office/drawing/2014/main" id="{15015A6E-AB44-421A-8DE9-E68F900629FC}"/>
+                <a16:creationId xmlns:a16="http://schemas.microsoft.com/office/drawing/2014/main" xmlns="" id="{15015A6E-AB44-421A-8DE9-E68F900629FC}"/>
               </a:ext>
             </a:extLst>
           </p:cNvPr>
@@ -1319,7 +1320,7 @@
           <p:cNvPr id="4" name="Content Placeholder 3">
             <a:extLst>
               <a:ext uri="{FF2B5EF4-FFF2-40B4-BE49-F238E27FC236}">
-                <a16:creationId xmlns:a16="http://schemas.microsoft.com/office/drawing/2014/main" id="{4460644D-AF50-47DC-B92F-D691F24BD08B}"/>
+                <a16:creationId xmlns:a16="http://schemas.microsoft.com/office/drawing/2014/main" xmlns="" id="{4460644D-AF50-47DC-B92F-D691F24BD08B}"/>
               </a:ext>
             </a:extLst>
           </p:cNvPr>
@@ -1381,7 +1382,7 @@
           <p:cNvPr id="5" name="Date Placeholder 4">
             <a:extLst>
               <a:ext uri="{FF2B5EF4-FFF2-40B4-BE49-F238E27FC236}">
-                <a16:creationId xmlns:a16="http://schemas.microsoft.com/office/drawing/2014/main" id="{3EC57F61-C114-4AB2-A6CF-738C432BD8A4}"/>
+                <a16:creationId xmlns:a16="http://schemas.microsoft.com/office/drawing/2014/main" xmlns="" id="{3EC57F61-C114-4AB2-A6CF-738C432BD8A4}"/>
               </a:ext>
             </a:extLst>
           </p:cNvPr>
@@ -1399,7 +1400,7 @@
           <a:p>
             <a:fld id="{4109A3AE-CEB5-4D63-8C4E-0A0F41805711}" type="datetimeFigureOut">
               <a:rPr lang="en-US" smtClean="0"/>
-              <a:t>1/22/2019</a:t>
+              <a:t>1/22/19</a:t>
             </a:fld>
             <a:endParaRPr lang="en-US"/>
           </a:p>
@@ -1410,7 +1411,7 @@
           <p:cNvPr id="6" name="Footer Placeholder 5">
             <a:extLst>
               <a:ext uri="{FF2B5EF4-FFF2-40B4-BE49-F238E27FC236}">
-                <a16:creationId xmlns:a16="http://schemas.microsoft.com/office/drawing/2014/main" id="{742E2F9E-13F1-4599-B696-4E1298263CA3}"/>
+                <a16:creationId xmlns:a16="http://schemas.microsoft.com/office/drawing/2014/main" xmlns="" id="{742E2F9E-13F1-4599-B696-4E1298263CA3}"/>
               </a:ext>
             </a:extLst>
           </p:cNvPr>
@@ -1435,7 +1436,7 @@
           <p:cNvPr id="7" name="Slide Number Placeholder 6">
             <a:extLst>
               <a:ext uri="{FF2B5EF4-FFF2-40B4-BE49-F238E27FC236}">
-                <a16:creationId xmlns:a16="http://schemas.microsoft.com/office/drawing/2014/main" id="{472D0EAA-E102-4DBA-9534-05BBB8C8C823}"/>
+                <a16:creationId xmlns:a16="http://schemas.microsoft.com/office/drawing/2014/main" xmlns="" id="{472D0EAA-E102-4DBA-9534-05BBB8C8C823}"/>
               </a:ext>
             </a:extLst>
           </p:cNvPr>
@@ -1494,7 +1495,7 @@
           <p:cNvPr id="2" name="Title 1">
             <a:extLst>
               <a:ext uri="{FF2B5EF4-FFF2-40B4-BE49-F238E27FC236}">
-                <a16:creationId xmlns:a16="http://schemas.microsoft.com/office/drawing/2014/main" id="{ECA33912-DFDC-434E-870A-16BEF9BC5C1C}"/>
+                <a16:creationId xmlns:a16="http://schemas.microsoft.com/office/drawing/2014/main" xmlns="" id="{ECA33912-DFDC-434E-870A-16BEF9BC5C1C}"/>
               </a:ext>
             </a:extLst>
           </p:cNvPr>
@@ -1527,7 +1528,7 @@
           <p:cNvPr id="3" name="Text Placeholder 2">
             <a:extLst>
               <a:ext uri="{FF2B5EF4-FFF2-40B4-BE49-F238E27FC236}">
-                <a16:creationId xmlns:a16="http://schemas.microsoft.com/office/drawing/2014/main" id="{F0ED805E-4735-4B69-8D81-4ED562165B5B}"/>
+                <a16:creationId xmlns:a16="http://schemas.microsoft.com/office/drawing/2014/main" xmlns="" id="{F0ED805E-4735-4B69-8D81-4ED562165B5B}"/>
               </a:ext>
             </a:extLst>
           </p:cNvPr>
@@ -1598,7 +1599,7 @@
           <p:cNvPr id="4" name="Content Placeholder 3">
             <a:extLst>
               <a:ext uri="{FF2B5EF4-FFF2-40B4-BE49-F238E27FC236}">
-                <a16:creationId xmlns:a16="http://schemas.microsoft.com/office/drawing/2014/main" id="{C62E0208-3A8A-481E-81E6-352BBF8422C4}"/>
+                <a16:creationId xmlns:a16="http://schemas.microsoft.com/office/drawing/2014/main" xmlns="" id="{C62E0208-3A8A-481E-81E6-352BBF8422C4}"/>
               </a:ext>
             </a:extLst>
           </p:cNvPr>
@@ -1660,7 +1661,7 @@
           <p:cNvPr id="5" name="Text Placeholder 4">
             <a:extLst>
               <a:ext uri="{FF2B5EF4-FFF2-40B4-BE49-F238E27FC236}">
-                <a16:creationId xmlns:a16="http://schemas.microsoft.com/office/drawing/2014/main" id="{9BE6BBFA-4B5E-4EB1-B8F2-D76088FFA6DB}"/>
+                <a16:creationId xmlns:a16="http://schemas.microsoft.com/office/drawing/2014/main" xmlns="" id="{9BE6BBFA-4B5E-4EB1-B8F2-D76088FFA6DB}"/>
               </a:ext>
             </a:extLst>
           </p:cNvPr>
@@ -1731,7 +1732,7 @@
           <p:cNvPr id="6" name="Content Placeholder 5">
             <a:extLst>
               <a:ext uri="{FF2B5EF4-FFF2-40B4-BE49-F238E27FC236}">
-                <a16:creationId xmlns:a16="http://schemas.microsoft.com/office/drawing/2014/main" id="{F33540AF-84C7-4839-8A35-A82249423D17}"/>
+                <a16:creationId xmlns:a16="http://schemas.microsoft.com/office/drawing/2014/main" xmlns="" id="{F33540AF-84C7-4839-8A35-A82249423D17}"/>
               </a:ext>
             </a:extLst>
           </p:cNvPr>
@@ -1793,7 +1794,7 @@
           <p:cNvPr id="7" name="Date Placeholder 6">
             <a:extLst>
               <a:ext uri="{FF2B5EF4-FFF2-40B4-BE49-F238E27FC236}">
-                <a16:creationId xmlns:a16="http://schemas.microsoft.com/office/drawing/2014/main" id="{CAF7F165-7E36-47B1-AF38-DB251AB6FF21}"/>
+                <a16:creationId xmlns:a16="http://schemas.microsoft.com/office/drawing/2014/main" xmlns="" id="{CAF7F165-7E36-47B1-AF38-DB251AB6FF21}"/>
               </a:ext>
             </a:extLst>
           </p:cNvPr>
@@ -1811,7 +1812,7 @@
           <a:p>
             <a:fld id="{4109A3AE-CEB5-4D63-8C4E-0A0F41805711}" type="datetimeFigureOut">
               <a:rPr lang="en-US" smtClean="0"/>
-              <a:t>1/22/2019</a:t>
+              <a:t>1/22/19</a:t>
             </a:fld>
             <a:endParaRPr lang="en-US"/>
           </a:p>
@@ -1822,7 +1823,7 @@
           <p:cNvPr id="8" name="Footer Placeholder 7">
             <a:extLst>
               <a:ext uri="{FF2B5EF4-FFF2-40B4-BE49-F238E27FC236}">
-                <a16:creationId xmlns:a16="http://schemas.microsoft.com/office/drawing/2014/main" id="{ECFC46E1-FDC2-4A90-925D-51C194B5C563}"/>
+                <a16:creationId xmlns:a16="http://schemas.microsoft.com/office/drawing/2014/main" xmlns="" id="{ECFC46E1-FDC2-4A90-925D-51C194B5C563}"/>
               </a:ext>
             </a:extLst>
           </p:cNvPr>
@@ -1847,7 +1848,7 @@
           <p:cNvPr id="9" name="Slide Number Placeholder 8">
             <a:extLst>
               <a:ext uri="{FF2B5EF4-FFF2-40B4-BE49-F238E27FC236}">
-                <a16:creationId xmlns:a16="http://schemas.microsoft.com/office/drawing/2014/main" id="{FF495018-FA3A-484A-BB5F-1E177D516D85}"/>
+                <a16:creationId xmlns:a16="http://schemas.microsoft.com/office/drawing/2014/main" xmlns="" id="{FF495018-FA3A-484A-BB5F-1E177D516D85}"/>
               </a:ext>
             </a:extLst>
           </p:cNvPr>
@@ -1906,7 +1907,7 @@
           <p:cNvPr id="2" name="Title 1">
             <a:extLst>
               <a:ext uri="{FF2B5EF4-FFF2-40B4-BE49-F238E27FC236}">
-                <a16:creationId xmlns:a16="http://schemas.microsoft.com/office/drawing/2014/main" id="{8A5C0D21-E241-4DFE-888B-9CD386874B88}"/>
+                <a16:creationId xmlns:a16="http://schemas.microsoft.com/office/drawing/2014/main" xmlns="" id="{8A5C0D21-E241-4DFE-888B-9CD386874B88}"/>
               </a:ext>
             </a:extLst>
           </p:cNvPr>
@@ -1934,7 +1935,7 @@
           <p:cNvPr id="3" name="Date Placeholder 2">
             <a:extLst>
               <a:ext uri="{FF2B5EF4-FFF2-40B4-BE49-F238E27FC236}">
-                <a16:creationId xmlns:a16="http://schemas.microsoft.com/office/drawing/2014/main" id="{2054FAEB-B499-4C46-A057-D823649278E7}"/>
+                <a16:creationId xmlns:a16="http://schemas.microsoft.com/office/drawing/2014/main" xmlns="" id="{2054FAEB-B499-4C46-A057-D823649278E7}"/>
               </a:ext>
             </a:extLst>
           </p:cNvPr>
@@ -1952,7 +1953,7 @@
           <a:p>
             <a:fld id="{4109A3AE-CEB5-4D63-8C4E-0A0F41805711}" type="datetimeFigureOut">
               <a:rPr lang="en-US" smtClean="0"/>
-              <a:t>1/22/2019</a:t>
+              <a:t>1/22/19</a:t>
             </a:fld>
             <a:endParaRPr lang="en-US"/>
           </a:p>
@@ -1963,7 +1964,7 @@
           <p:cNvPr id="4" name="Footer Placeholder 3">
             <a:extLst>
               <a:ext uri="{FF2B5EF4-FFF2-40B4-BE49-F238E27FC236}">
-                <a16:creationId xmlns:a16="http://schemas.microsoft.com/office/drawing/2014/main" id="{AE8200FE-854B-4DCB-9DC8-26C067E92A9B}"/>
+                <a16:creationId xmlns:a16="http://schemas.microsoft.com/office/drawing/2014/main" xmlns="" id="{AE8200FE-854B-4DCB-9DC8-26C067E92A9B}"/>
               </a:ext>
             </a:extLst>
           </p:cNvPr>
@@ -1988,7 +1989,7 @@
           <p:cNvPr id="5" name="Slide Number Placeholder 4">
             <a:extLst>
               <a:ext uri="{FF2B5EF4-FFF2-40B4-BE49-F238E27FC236}">
-                <a16:creationId xmlns:a16="http://schemas.microsoft.com/office/drawing/2014/main" id="{439D4B7F-CEC2-4CCA-9CD0-C7A9740654C6}"/>
+                <a16:creationId xmlns:a16="http://schemas.microsoft.com/office/drawing/2014/main" xmlns="" id="{439D4B7F-CEC2-4CCA-9CD0-C7A9740654C6}"/>
               </a:ext>
             </a:extLst>
           </p:cNvPr>
@@ -2047,7 +2048,7 @@
           <p:cNvPr id="2" name="Date Placeholder 1">
             <a:extLst>
               <a:ext uri="{FF2B5EF4-FFF2-40B4-BE49-F238E27FC236}">
-                <a16:creationId xmlns:a16="http://schemas.microsoft.com/office/drawing/2014/main" id="{242B8E4B-E8A4-446B-BBD2-4C200933B553}"/>
+                <a16:creationId xmlns:a16="http://schemas.microsoft.com/office/drawing/2014/main" xmlns="" id="{242B8E4B-E8A4-446B-BBD2-4C200933B553}"/>
               </a:ext>
             </a:extLst>
           </p:cNvPr>
@@ -2065,7 +2066,7 @@
           <a:p>
             <a:fld id="{4109A3AE-CEB5-4D63-8C4E-0A0F41805711}" type="datetimeFigureOut">
               <a:rPr lang="en-US" smtClean="0"/>
-              <a:t>1/22/2019</a:t>
+              <a:t>1/22/19</a:t>
             </a:fld>
             <a:endParaRPr lang="en-US"/>
           </a:p>
@@ -2076,7 +2077,7 @@
           <p:cNvPr id="3" name="Footer Placeholder 2">
             <a:extLst>
               <a:ext uri="{FF2B5EF4-FFF2-40B4-BE49-F238E27FC236}">
-                <a16:creationId xmlns:a16="http://schemas.microsoft.com/office/drawing/2014/main" id="{7AA2D251-4BBB-4611-982A-25D9F2FF18DA}"/>
+                <a16:creationId xmlns:a16="http://schemas.microsoft.com/office/drawing/2014/main" xmlns="" id="{7AA2D251-4BBB-4611-982A-25D9F2FF18DA}"/>
               </a:ext>
             </a:extLst>
           </p:cNvPr>
@@ -2101,7 +2102,7 @@
           <p:cNvPr id="4" name="Slide Number Placeholder 3">
             <a:extLst>
               <a:ext uri="{FF2B5EF4-FFF2-40B4-BE49-F238E27FC236}">
-                <a16:creationId xmlns:a16="http://schemas.microsoft.com/office/drawing/2014/main" id="{3B6C922C-ED8B-47F2-9558-44C3B3E1875D}"/>
+                <a16:creationId xmlns:a16="http://schemas.microsoft.com/office/drawing/2014/main" xmlns="" id="{3B6C922C-ED8B-47F2-9558-44C3B3E1875D}"/>
               </a:ext>
             </a:extLst>
           </p:cNvPr>
@@ -2160,7 +2161,7 @@
           <p:cNvPr id="2" name="Title 1">
             <a:extLst>
               <a:ext uri="{FF2B5EF4-FFF2-40B4-BE49-F238E27FC236}">
-                <a16:creationId xmlns:a16="http://schemas.microsoft.com/office/drawing/2014/main" id="{B7BAAD0C-3AD2-4ECE-89F7-5777B6BF0ABE}"/>
+                <a16:creationId xmlns:a16="http://schemas.microsoft.com/office/drawing/2014/main" xmlns="" id="{B7BAAD0C-3AD2-4ECE-89F7-5777B6BF0ABE}"/>
               </a:ext>
             </a:extLst>
           </p:cNvPr>
@@ -2197,7 +2198,7 @@
           <p:cNvPr id="3" name="Content Placeholder 2">
             <a:extLst>
               <a:ext uri="{FF2B5EF4-FFF2-40B4-BE49-F238E27FC236}">
-                <a16:creationId xmlns:a16="http://schemas.microsoft.com/office/drawing/2014/main" id="{068CDC6F-FF7F-4D2E-99E3-A6BEC9D50BF8}"/>
+                <a16:creationId xmlns:a16="http://schemas.microsoft.com/office/drawing/2014/main" xmlns="" id="{068CDC6F-FF7F-4D2E-99E3-A6BEC9D50BF8}"/>
               </a:ext>
             </a:extLst>
           </p:cNvPr>
@@ -2287,7 +2288,7 @@
           <p:cNvPr id="4" name="Text Placeholder 3">
             <a:extLst>
               <a:ext uri="{FF2B5EF4-FFF2-40B4-BE49-F238E27FC236}">
-                <a16:creationId xmlns:a16="http://schemas.microsoft.com/office/drawing/2014/main" id="{07CDC96F-6154-4149-8340-85BED3325DFA}"/>
+                <a16:creationId xmlns:a16="http://schemas.microsoft.com/office/drawing/2014/main" xmlns="" id="{07CDC96F-6154-4149-8340-85BED3325DFA}"/>
               </a:ext>
             </a:extLst>
           </p:cNvPr>
@@ -2358,7 +2359,7 @@
           <p:cNvPr id="5" name="Date Placeholder 4">
             <a:extLst>
               <a:ext uri="{FF2B5EF4-FFF2-40B4-BE49-F238E27FC236}">
-                <a16:creationId xmlns:a16="http://schemas.microsoft.com/office/drawing/2014/main" id="{DA685885-A8AE-4B7F-9E25-8F2468B6E81D}"/>
+                <a16:creationId xmlns:a16="http://schemas.microsoft.com/office/drawing/2014/main" xmlns="" id="{DA685885-A8AE-4B7F-9E25-8F2468B6E81D}"/>
               </a:ext>
             </a:extLst>
           </p:cNvPr>
@@ -2376,7 +2377,7 @@
           <a:p>
             <a:fld id="{4109A3AE-CEB5-4D63-8C4E-0A0F41805711}" type="datetimeFigureOut">
               <a:rPr lang="en-US" smtClean="0"/>
-              <a:t>1/22/2019</a:t>
+              <a:t>1/22/19</a:t>
             </a:fld>
             <a:endParaRPr lang="en-US"/>
           </a:p>
@@ -2387,7 +2388,7 @@
           <p:cNvPr id="6" name="Footer Placeholder 5">
             <a:extLst>
               <a:ext uri="{FF2B5EF4-FFF2-40B4-BE49-F238E27FC236}">
-                <a16:creationId xmlns:a16="http://schemas.microsoft.com/office/drawing/2014/main" id="{9E02A5BA-AC19-4934-8ED6-A41DE306CB25}"/>
+                <a16:creationId xmlns:a16="http://schemas.microsoft.com/office/drawing/2014/main" xmlns="" id="{9E02A5BA-AC19-4934-8ED6-A41DE306CB25}"/>
               </a:ext>
             </a:extLst>
           </p:cNvPr>
@@ -2412,7 +2413,7 @@
           <p:cNvPr id="7" name="Slide Number Placeholder 6">
             <a:extLst>
               <a:ext uri="{FF2B5EF4-FFF2-40B4-BE49-F238E27FC236}">
-                <a16:creationId xmlns:a16="http://schemas.microsoft.com/office/drawing/2014/main" id="{205EA19E-D768-4FAD-A61E-C87288249A0E}"/>
+                <a16:creationId xmlns:a16="http://schemas.microsoft.com/office/drawing/2014/main" xmlns="" id="{205EA19E-D768-4FAD-A61E-C87288249A0E}"/>
               </a:ext>
             </a:extLst>
           </p:cNvPr>
@@ -2471,7 +2472,7 @@
           <p:cNvPr id="2" name="Title 1">
             <a:extLst>
               <a:ext uri="{FF2B5EF4-FFF2-40B4-BE49-F238E27FC236}">
-                <a16:creationId xmlns:a16="http://schemas.microsoft.com/office/drawing/2014/main" id="{48F6670D-2C5A-4A5A-8B68-3DFE87FF25CB}"/>
+                <a16:creationId xmlns:a16="http://schemas.microsoft.com/office/drawing/2014/main" xmlns="" id="{48F6670D-2C5A-4A5A-8B68-3DFE87FF25CB}"/>
               </a:ext>
             </a:extLst>
           </p:cNvPr>
@@ -2508,7 +2509,7 @@
           <p:cNvPr id="3" name="Picture Placeholder 2">
             <a:extLst>
               <a:ext uri="{FF2B5EF4-FFF2-40B4-BE49-F238E27FC236}">
-                <a16:creationId xmlns:a16="http://schemas.microsoft.com/office/drawing/2014/main" id="{CBBDE5C0-1B84-4DAA-8BB3-71CDC26F70F6}"/>
+                <a16:creationId xmlns:a16="http://schemas.microsoft.com/office/drawing/2014/main" xmlns="" id="{CBBDE5C0-1B84-4DAA-8BB3-71CDC26F70F6}"/>
               </a:ext>
             </a:extLst>
           </p:cNvPr>
@@ -2575,7 +2576,7 @@
           <p:cNvPr id="4" name="Text Placeholder 3">
             <a:extLst>
               <a:ext uri="{FF2B5EF4-FFF2-40B4-BE49-F238E27FC236}">
-                <a16:creationId xmlns:a16="http://schemas.microsoft.com/office/drawing/2014/main" id="{1B2A8562-9280-48D0-920C-09F181A56A16}"/>
+                <a16:creationId xmlns:a16="http://schemas.microsoft.com/office/drawing/2014/main" xmlns="" id="{1B2A8562-9280-48D0-920C-09F181A56A16}"/>
               </a:ext>
             </a:extLst>
           </p:cNvPr>
@@ -2646,7 +2647,7 @@
           <p:cNvPr id="5" name="Date Placeholder 4">
             <a:extLst>
               <a:ext uri="{FF2B5EF4-FFF2-40B4-BE49-F238E27FC236}">
-                <a16:creationId xmlns:a16="http://schemas.microsoft.com/office/drawing/2014/main" id="{2BFA73D5-E3F4-4673-83ED-BE884F233A4A}"/>
+                <a16:creationId xmlns:a16="http://schemas.microsoft.com/office/drawing/2014/main" xmlns="" id="{2BFA73D5-E3F4-4673-83ED-BE884F233A4A}"/>
               </a:ext>
             </a:extLst>
           </p:cNvPr>
@@ -2664,7 +2665,7 @@
           <a:p>
             <a:fld id="{4109A3AE-CEB5-4D63-8C4E-0A0F41805711}" type="datetimeFigureOut">
               <a:rPr lang="en-US" smtClean="0"/>
-              <a:t>1/22/2019</a:t>
+              <a:t>1/22/19</a:t>
             </a:fld>
             <a:endParaRPr lang="en-US"/>
           </a:p>
@@ -2675,7 +2676,7 @@
           <p:cNvPr id="6" name="Footer Placeholder 5">
             <a:extLst>
               <a:ext uri="{FF2B5EF4-FFF2-40B4-BE49-F238E27FC236}">
-                <a16:creationId xmlns:a16="http://schemas.microsoft.com/office/drawing/2014/main" id="{EB3136A3-18EE-4695-8D1A-B17B3E818424}"/>
+                <a16:creationId xmlns:a16="http://schemas.microsoft.com/office/drawing/2014/main" xmlns="" id="{EB3136A3-18EE-4695-8D1A-B17B3E818424}"/>
               </a:ext>
             </a:extLst>
           </p:cNvPr>
@@ -2700,7 +2701,7 @@
           <p:cNvPr id="7" name="Slide Number Placeholder 6">
             <a:extLst>
               <a:ext uri="{FF2B5EF4-FFF2-40B4-BE49-F238E27FC236}">
-                <a16:creationId xmlns:a16="http://schemas.microsoft.com/office/drawing/2014/main" id="{62BDFA49-917C-476A-9350-4CC642148BB8}"/>
+                <a16:creationId xmlns:a16="http://schemas.microsoft.com/office/drawing/2014/main" xmlns="" id="{62BDFA49-917C-476A-9350-4CC642148BB8}"/>
               </a:ext>
             </a:extLst>
           </p:cNvPr>
@@ -2764,7 +2765,7 @@
           <p:cNvPr id="2" name="Title Placeholder 1">
             <a:extLst>
               <a:ext uri="{FF2B5EF4-FFF2-40B4-BE49-F238E27FC236}">
-                <a16:creationId xmlns:a16="http://schemas.microsoft.com/office/drawing/2014/main" id="{EF7B301A-3BCD-4B51-85AE-60DA5930999F}"/>
+                <a16:creationId xmlns:a16="http://schemas.microsoft.com/office/drawing/2014/main" xmlns="" id="{EF7B301A-3BCD-4B51-85AE-60DA5930999F}"/>
               </a:ext>
             </a:extLst>
           </p:cNvPr>
@@ -2802,7 +2803,7 @@
           <p:cNvPr id="3" name="Text Placeholder 2">
             <a:extLst>
               <a:ext uri="{FF2B5EF4-FFF2-40B4-BE49-F238E27FC236}">
-                <a16:creationId xmlns:a16="http://schemas.microsoft.com/office/drawing/2014/main" id="{93FC0852-6711-42B8-B2D5-DB0FD0100B25}"/>
+                <a16:creationId xmlns:a16="http://schemas.microsoft.com/office/drawing/2014/main" xmlns="" id="{93FC0852-6711-42B8-B2D5-DB0FD0100B25}"/>
               </a:ext>
             </a:extLst>
           </p:cNvPr>
@@ -2869,7 +2870,7 @@
           <p:cNvPr id="4" name="Date Placeholder 3">
             <a:extLst>
               <a:ext uri="{FF2B5EF4-FFF2-40B4-BE49-F238E27FC236}">
-                <a16:creationId xmlns:a16="http://schemas.microsoft.com/office/drawing/2014/main" id="{1F1C6DF6-9265-4ACB-95D8-C2B368E656D4}"/>
+                <a16:creationId xmlns:a16="http://schemas.microsoft.com/office/drawing/2014/main" xmlns="" id="{1F1C6DF6-9265-4ACB-95D8-C2B368E656D4}"/>
               </a:ext>
             </a:extLst>
           </p:cNvPr>
@@ -2905,7 +2906,7 @@
           <a:p>
             <a:fld id="{4109A3AE-CEB5-4D63-8C4E-0A0F41805711}" type="datetimeFigureOut">
               <a:rPr lang="en-US" smtClean="0"/>
-              <a:t>1/22/2019</a:t>
+              <a:t>1/22/19</a:t>
             </a:fld>
             <a:endParaRPr lang="en-US"/>
           </a:p>
@@ -2916,7 +2917,7 @@
           <p:cNvPr id="5" name="Footer Placeholder 4">
             <a:extLst>
               <a:ext uri="{FF2B5EF4-FFF2-40B4-BE49-F238E27FC236}">
-                <a16:creationId xmlns:a16="http://schemas.microsoft.com/office/drawing/2014/main" id="{8B5C077E-EC26-4869-BAD9-AE69516BF7E9}"/>
+                <a16:creationId xmlns:a16="http://schemas.microsoft.com/office/drawing/2014/main" xmlns="" id="{8B5C077E-EC26-4869-BAD9-AE69516BF7E9}"/>
               </a:ext>
             </a:extLst>
           </p:cNvPr>
@@ -2959,7 +2960,7 @@
           <p:cNvPr id="6" name="Slide Number Placeholder 5">
             <a:extLst>
               <a:ext uri="{FF2B5EF4-FFF2-40B4-BE49-F238E27FC236}">
-                <a16:creationId xmlns:a16="http://schemas.microsoft.com/office/drawing/2014/main" id="{388DDDA6-DFD4-4AAE-8A35-ABCFC7FE1BC6}"/>
+                <a16:creationId xmlns:a16="http://schemas.microsoft.com/office/drawing/2014/main" xmlns="" id="{388DDDA6-DFD4-4AAE-8A35-ABCFC7FE1BC6}"/>
               </a:ext>
             </a:extLst>
           </p:cNvPr>
@@ -3327,7 +3328,7 @@
           <p:cNvPr id="2" name="Title 1">
             <a:extLst>
               <a:ext uri="{FF2B5EF4-FFF2-40B4-BE49-F238E27FC236}">
-                <a16:creationId xmlns:a16="http://schemas.microsoft.com/office/drawing/2014/main" id="{795DF6DF-5674-4CF0-8560-B74D60B3FE8B}"/>
+                <a16:creationId xmlns:a16="http://schemas.microsoft.com/office/drawing/2014/main" xmlns="" id="{795DF6DF-5674-4CF0-8560-B74D60B3FE8B}"/>
               </a:ext>
             </a:extLst>
           </p:cNvPr>
@@ -3355,7 +3356,7 @@
           <p:cNvPr id="3" name="Subtitle 2">
             <a:extLst>
               <a:ext uri="{FF2B5EF4-FFF2-40B4-BE49-F238E27FC236}">
-                <a16:creationId xmlns:a16="http://schemas.microsoft.com/office/drawing/2014/main" id="{3C52D33D-F581-479E-A890-CEE3F50D28C0}"/>
+                <a16:creationId xmlns:a16="http://schemas.microsoft.com/office/drawing/2014/main" xmlns="" id="{3C52D33D-F581-479E-A890-CEE3F50D28C0}"/>
               </a:ext>
             </a:extLst>
           </p:cNvPr>
@@ -3413,7 +3414,7 @@
           <p:cNvPr id="2" name="Picture 1">
             <a:extLst>
               <a:ext uri="{FF2B5EF4-FFF2-40B4-BE49-F238E27FC236}">
-                <a16:creationId xmlns:a16="http://schemas.microsoft.com/office/drawing/2014/main" id="{7EC2D43A-0029-4639-B070-D7C77A5DEBC4}"/>
+                <a16:creationId xmlns:a16="http://schemas.microsoft.com/office/drawing/2014/main" xmlns="" id="{7EC2D43A-0029-4639-B070-D7C77A5DEBC4}"/>
               </a:ext>
             </a:extLst>
           </p:cNvPr>
@@ -3442,7 +3443,7 @@
           <p:cNvPr id="3" name="TextBox 2">
             <a:extLst>
               <a:ext uri="{FF2B5EF4-FFF2-40B4-BE49-F238E27FC236}">
-                <a16:creationId xmlns:a16="http://schemas.microsoft.com/office/drawing/2014/main" id="{3F245A63-AD7E-4FFA-A264-A7AA574D63CC}"/>
+                <a16:creationId xmlns:a16="http://schemas.microsoft.com/office/drawing/2014/main" xmlns="" id="{3F245A63-AD7E-4FFA-A264-A7AA574D63CC}"/>
               </a:ext>
             </a:extLst>
           </p:cNvPr>
@@ -3551,6 +3552,201 @@
     <p:extLst>
       <p:ext uri="{BB962C8B-B14F-4D97-AF65-F5344CB8AC3E}">
         <p14:creationId xmlns:p14="http://schemas.microsoft.com/office/powerpoint/2010/main" val="3284463150"/>
+      </p:ext>
+    </p:extLst>
+  </p:cSld>
+  <p:clrMapOvr>
+    <a:masterClrMapping/>
+  </p:clrMapOvr>
+</p:sld>
+</file>
+
+<file path=ppt/slides/slide3.xml><?xml version="1.0" encoding="utf-8"?>
+<p:sld xmlns:a="http://schemas.openxmlformats.org/drawingml/2006/main" xmlns:r="http://schemas.openxmlformats.org/officeDocument/2006/relationships" xmlns:p="http://schemas.openxmlformats.org/presentationml/2006/main">
+  <p:cSld>
+    <p:spTree>
+      <p:nvGrpSpPr>
+        <p:cNvPr id="1" name=""/>
+        <p:cNvGrpSpPr/>
+        <p:nvPr/>
+      </p:nvGrpSpPr>
+      <p:grpSpPr>
+        <a:xfrm>
+          <a:off x="0" y="0"/>
+          <a:ext cx="0" cy="0"/>
+          <a:chOff x="0" y="0"/>
+          <a:chExt cx="0" cy="0"/>
+        </a:xfrm>
+      </p:grpSpPr>
+      <p:sp>
+        <p:nvSpPr>
+          <p:cNvPr id="2" name="TextBox 1"/>
+          <p:cNvSpPr txBox="1"/>
+          <p:nvPr/>
+        </p:nvSpPr>
+        <p:spPr>
+          <a:xfrm>
+            <a:off x="168324" y="198893"/>
+            <a:ext cx="6314549" cy="3693319"/>
+          </a:xfrm>
+          <a:prstGeom prst="rect">
+            <a:avLst/>
+          </a:prstGeom>
+          <a:noFill/>
+        </p:spPr>
+        <p:txBody>
+          <a:bodyPr wrap="none" rtlCol="0">
+            <a:spAutoFit/>
+          </a:bodyPr>
+          <a:lstStyle/>
+          <a:p>
+            <a:r>
+              <a:rPr lang="en-US" dirty="0" smtClean="0"/>
+              <a:t>Searching for commercial high resolution satellite imagery</a:t>
+            </a:r>
+          </a:p>
+          <a:p>
+            <a:endParaRPr lang="en-US" dirty="0"/>
+          </a:p>
+          <a:p>
+            <a:pPr marL="285750" indent="-285750">
+              <a:buFont typeface="Arial"/>
+              <a:buChar char="•"/>
+            </a:pPr>
+            <a:r>
+              <a:rPr lang="en-US" dirty="0" smtClean="0"/>
+              <a:t>Requested quote from Satellite Imaging Corp (</a:t>
+            </a:r>
+            <a:r>
+              <a:rPr lang="en-US" dirty="0" err="1" smtClean="0"/>
+              <a:t>QuickBird</a:t>
+            </a:r>
+            <a:r>
+              <a:rPr lang="en-US" dirty="0" smtClean="0"/>
+              <a:t>)</a:t>
+            </a:r>
+          </a:p>
+          <a:p>
+            <a:pPr marL="285750" indent="-285750">
+              <a:buFont typeface="Arial"/>
+              <a:buChar char="•"/>
+            </a:pPr>
+            <a:r>
+              <a:rPr lang="en-US" dirty="0" smtClean="0"/>
+              <a:t>Search for images on </a:t>
+            </a:r>
+            <a:r>
+              <a:rPr lang="en-US" dirty="0" err="1" smtClean="0"/>
+              <a:t>LandInfo</a:t>
+            </a:r>
+            <a:r>
+              <a:rPr lang="en-US" dirty="0" smtClean="0"/>
+              <a:t>. Available images to search are:</a:t>
+            </a:r>
+          </a:p>
+          <a:p>
+            <a:pPr marL="742950" lvl="1" indent="-285750">
+              <a:buFont typeface="Arial"/>
+              <a:buChar char="•"/>
+            </a:pPr>
+            <a:r>
+              <a:rPr lang="en-US" dirty="0" smtClean="0"/>
+              <a:t>GeoEye-1</a:t>
+            </a:r>
+          </a:p>
+          <a:p>
+            <a:pPr marL="742950" lvl="1" indent="-285750">
+              <a:buFont typeface="Arial"/>
+              <a:buChar char="•"/>
+            </a:pPr>
+            <a:r>
+              <a:rPr lang="en-US" dirty="0" smtClean="0"/>
+              <a:t>WorldView-1, to -4</a:t>
+            </a:r>
+          </a:p>
+          <a:p>
+            <a:pPr marL="742950" lvl="1" indent="-285750">
+              <a:buFont typeface="Arial"/>
+              <a:buChar char="•"/>
+            </a:pPr>
+            <a:r>
+              <a:rPr lang="en-US" dirty="0" err="1" smtClean="0"/>
+              <a:t>QuickBird</a:t>
+            </a:r>
+            <a:endParaRPr lang="en-US" dirty="0" smtClean="0"/>
+          </a:p>
+          <a:p>
+            <a:pPr marL="742950" lvl="1" indent="-285750">
+              <a:buFont typeface="Arial"/>
+              <a:buChar char="•"/>
+            </a:pPr>
+            <a:r>
+              <a:rPr lang="en-US" dirty="0" smtClean="0"/>
+              <a:t>IKONOS</a:t>
+            </a:r>
+          </a:p>
+          <a:p>
+            <a:pPr marL="742950" lvl="1" indent="-285750">
+              <a:buFont typeface="Arial"/>
+              <a:buChar char="•"/>
+            </a:pPr>
+            <a:r>
+              <a:rPr lang="en-US" dirty="0" smtClean="0"/>
+              <a:t>SPOT 1- 7</a:t>
+            </a:r>
+          </a:p>
+          <a:p>
+            <a:pPr marL="742950" lvl="1" indent="-285750">
+              <a:buFont typeface="Arial"/>
+              <a:buChar char="•"/>
+            </a:pPr>
+            <a:r>
+              <a:rPr lang="en-US" dirty="0" err="1" smtClean="0"/>
+              <a:t>RapidEye</a:t>
+            </a:r>
+            <a:endParaRPr lang="en-US" dirty="0" smtClean="0"/>
+          </a:p>
+          <a:p>
+            <a:pPr marL="742950" lvl="1" indent="-285750">
+              <a:buFont typeface="Arial"/>
+              <a:buChar char="•"/>
+            </a:pPr>
+            <a:r>
+              <a:rPr lang="en-US" dirty="0" err="1" smtClean="0"/>
+              <a:t>PlaneteScope</a:t>
+            </a:r>
+            <a:r>
+              <a:rPr lang="en-US" dirty="0" smtClean="0"/>
+              <a:t>/Dove</a:t>
+            </a:r>
+          </a:p>
+          <a:p>
+            <a:pPr marL="285750" indent="-285750">
+              <a:buFont typeface="Arial"/>
+              <a:buChar char="•"/>
+            </a:pPr>
+            <a:r>
+              <a:rPr lang="en-US" dirty="0" smtClean="0">
+                <a:solidFill>
+                  <a:srgbClr val="FF0000"/>
+                </a:solidFill>
+              </a:rPr>
+              <a:t>Planet Labs satellites: which ones?</a:t>
+            </a:r>
+          </a:p>
+          <a:p>
+            <a:pPr marL="285750" indent="-285750">
+              <a:buFont typeface="Arial"/>
+              <a:buChar char="•"/>
+            </a:pPr>
+            <a:endParaRPr lang="en-US" dirty="0"/>
+          </a:p>
+        </p:txBody>
+      </p:sp>
+    </p:spTree>
+    <p:extLst>
+      <p:ext uri="{BB962C8B-B14F-4D97-AF65-F5344CB8AC3E}">
+        <p14:creationId xmlns:p14="http://schemas.microsoft.com/office/powerpoint/2010/main" val="1247193873"/>
       </p:ext>
     </p:extLst>
   </p:cSld>
@@ -3603,7 +3799,7 @@
     </a:clrScheme>
     <a:fontScheme name="Office">
       <a:majorFont>
-        <a:latin typeface="Calibri Light" panose="020F0302020204030204"/>
+        <a:latin typeface="Calibri Light"/>
         <a:ea typeface=""/>
         <a:cs typeface=""/>
         <a:font script="Jpan" typeface="游ゴシック Light"/>
@@ -3655,7 +3851,7 @@
         <a:font script="Tfng" typeface="Ebrima"/>
       </a:majorFont>
       <a:minorFont>
-        <a:latin typeface="Calibri" panose="020F0502020204030204"/>
+        <a:latin typeface="Calibri"/>
         <a:ea typeface=""/>
         <a:cs typeface=""/>
         <a:font script="Jpan" typeface="游ゴシック"/>
@@ -3849,7 +4045,7 @@
   <a:extraClrSchemeLst/>
   <a:extLst>
     <a:ext uri="{05A4C25C-085E-4340-85A3-A5531E510DB2}">
-      <thm15:themeFamily xmlns:thm15="http://schemas.microsoft.com/office/thememl/2012/main" name="Office Theme" id="{62F939B6-93AF-4DB8-9C6B-D6C7DFDC589F}" vid="{4A3C46E8-61CC-4603-A589-7422A47A8E4A}"/>
+      <thm15:themeFamily xmlns:thm15="http://schemas.microsoft.com/office/thememl/2012/main" xmlns="" name="Office Theme" id="{62F939B6-93AF-4DB8-9C6B-D6C7DFDC589F}" vid="{4A3C46E8-61CC-4603-A589-7422A47A8E4A}"/>
     </a:ext>
   </a:extLst>
 </a:theme>
